--- a/INTRODUCTION.pptx
+++ b/INTRODUCTION.pptx
@@ -3436,16 +3436,13 @@
           </a:bodyPr>
           <a:lstStyle/>
           <a:p>
-            <a:pPr marL="114300" indent="0">
-              <a:buNone/>
-            </a:pPr>
             <a:r>
               <a:rPr lang="en-US" sz="1600" dirty="0"/>
               <a:t>We have a corpus of text containing information about different domain like </a:t>
             </a:r>
             <a:r>
-              <a:rPr lang="en-US" sz="1600" dirty="0" err="1"/>
-              <a:t>Pyhton</a:t>
+              <a:rPr lang="en-US" sz="1600" dirty="0" smtClean="0"/>
+              <a:t>Python</a:t>
             </a:r>
             <a:r>
               <a:rPr lang="en-US" sz="1600" dirty="0"/>
@@ -3454,15 +3451,9 @@
             <a:endParaRPr lang="en-IN" sz="1600" dirty="0"/>
           </a:p>
           <a:p>
-            <a:pPr marL="114300" indent="0">
-              <a:buNone/>
-            </a:pPr>
             <a:endParaRPr lang="en-US" sz="1600" dirty="0" smtClean="0"/>
           </a:p>
           <a:p>
-            <a:pPr marL="114300" indent="0">
-              <a:buNone/>
-            </a:pPr>
             <a:r>
               <a:rPr lang="en-US" sz="1600" dirty="0" smtClean="0"/>
               <a:t>The </a:t>
@@ -3484,40 +3475,45 @@
             <a:endParaRPr lang="en-IN" sz="1600" dirty="0"/>
           </a:p>
           <a:p>
-            <a:pPr marL="114300" indent="0">
-              <a:buNone/>
-            </a:pPr>
-            <a:r>
-              <a:rPr lang="en-US" sz="1600" dirty="0"/>
-              <a:t>The flow starts with the preprocessing of the corpus data which involves process like ex. tokenization, removing stop words and etc. After that IDF value of very set of pre-processed unique words are calculated across the documents. As mentioned earlier </a:t>
-            </a:r>
-            <a:r>
-              <a:rPr lang="en-US" sz="1600" dirty="0" err="1"/>
-              <a:t>idf</a:t>
-            </a:r>
-            <a:r>
-              <a:rPr lang="en-US" sz="1600" dirty="0"/>
-              <a:t> value of the word is logarithm of ratio of total document in the corpus and the no. document in which word is present.</a:t>
-            </a:r>
-            <a:endParaRPr lang="en-IN" sz="1600" dirty="0"/>
-          </a:p>
-          <a:p>
-            <a:pPr marL="114300" indent="0">
-              <a:buNone/>
-            </a:pPr>
-            <a:r>
-              <a:rPr lang="en-US" sz="1600" dirty="0"/>
-              <a:t> </a:t>
-            </a:r>
-            <a:endParaRPr lang="en-IN" sz="1600" dirty="0"/>
-          </a:p>
-          <a:p>
-            <a:pPr marL="114300" indent="0">
-              <a:buNone/>
-            </a:pPr>
-            <a:r>
-              <a:rPr lang="en-US" sz="1600" dirty="0"/>
-              <a:t> Then it asks a query from the user and again preprocessing is done in the user input. For calculating file score two techniques for term frequency are used both are shown in the diagram below. </a:t>
+            <a:r>
+              <a:rPr lang="en-US" sz="1600" dirty="0"/>
+              <a:t>The flow starts with the preprocessing of the corpus data which involves process like ex. tokenization, removing stop words and etc. </a:t>
+            </a:r>
+            <a:endParaRPr lang="en-US" sz="1600" dirty="0" smtClean="0"/>
+          </a:p>
+          <a:p>
+            <a:endParaRPr lang="en-US" sz="1600" dirty="0"/>
+          </a:p>
+          <a:p>
+            <a:r>
+              <a:rPr lang="en-US" sz="1600" dirty="0" smtClean="0"/>
+              <a:t>After </a:t>
+            </a:r>
+            <a:r>
+              <a:rPr lang="en-US" sz="1600" dirty="0"/>
+              <a:t>that IDF value of very set of pre-processed unique words are calculated across the documents. </a:t>
+            </a:r>
+            <a:endParaRPr lang="en-US" sz="1600" dirty="0" smtClean="0"/>
+          </a:p>
+          <a:p>
+            <a:endParaRPr lang="en-US" sz="1600" dirty="0"/>
+          </a:p>
+          <a:p>
+            <a:r>
+              <a:rPr lang="en-US" sz="1600" dirty="0" smtClean="0"/>
+              <a:t>Then </a:t>
+            </a:r>
+            <a:r>
+              <a:rPr lang="en-US" sz="1600" dirty="0"/>
+              <a:t>it asks a query from the user and again preprocessing is done in the user input. For calculating file score two techniques for term frequency are used both are shown in the </a:t>
+            </a:r>
+            <a:r>
+              <a:rPr lang="en-US" sz="1600" dirty="0" smtClean="0"/>
+              <a:t>flow chart</a:t>
+            </a:r>
+            <a:r>
+              <a:rPr lang="en-US" sz="1600" dirty="0" smtClean="0"/>
+              <a:t>. </a:t>
             </a:r>
             <a:endParaRPr lang="en-IN" sz="1600" dirty="0"/>
           </a:p>
@@ -3583,24 +3579,11 @@
             </a:pPr>
             <a:r>
               <a:rPr lang="en-US" sz="1600" dirty="0"/>
-              <a:t>Then it asks a query from the user and again preprocessing is done in the user input. For calculating file score two techniques for term frequency are used both are shown in the diagram below. </a:t>
+              <a:t> </a:t>
             </a:r>
             <a:endParaRPr lang="en-IN" sz="1600" dirty="0"/>
           </a:p>
           <a:p>
-            <a:pPr marL="114300" indent="0">
-              <a:buNone/>
-            </a:pPr>
-            <a:r>
-              <a:rPr lang="en-US" sz="1600" dirty="0"/>
-              <a:t> </a:t>
-            </a:r>
-            <a:endParaRPr lang="en-IN" sz="1600" dirty="0"/>
-          </a:p>
-          <a:p>
-            <a:pPr marL="114300" indent="0">
-              <a:buNone/>
-            </a:pPr>
             <a:r>
               <a:rPr lang="en-US" sz="1600" dirty="0"/>
               <a:t>After that it find out top the  files form the bunch of documents based on the score of file. This is done by counting the frequency(</a:t>
@@ -3614,12 +3597,12 @@
               <a:t>-term frequency)   of  words in query in the each </a:t>
             </a:r>
             <a:r>
-              <a:rPr lang="en-US" sz="1600" dirty="0" err="1"/>
-              <a:t>document.And</a:t>
-            </a:r>
-            <a:r>
-              <a:rPr lang="en-US" sz="1600" dirty="0"/>
-              <a:t> multiplying with their corresponding  </a:t>
+              <a:rPr lang="en-US" sz="1600" dirty="0" smtClean="0"/>
+              <a:t>document and </a:t>
+            </a:r>
+            <a:r>
+              <a:rPr lang="en-US" sz="1600" dirty="0"/>
+              <a:t>multiplying with their corresponding  </a:t>
             </a:r>
             <a:r>
               <a:rPr lang="en-US" sz="1600" dirty="0" err="1"/>
@@ -3630,12 +3613,12 @@
               <a:t> </a:t>
             </a:r>
             <a:r>
-              <a:rPr lang="en-US" sz="1600" dirty="0" err="1"/>
-              <a:t>values.Finally</a:t>
-            </a:r>
-            <a:r>
-              <a:rPr lang="en-US" sz="1600" dirty="0"/>
-              <a:t> adding all the </a:t>
+              <a:rPr lang="en-US" sz="1600" dirty="0" smtClean="0"/>
+              <a:t> values. Finally </a:t>
+            </a:r>
+            <a:r>
+              <a:rPr lang="en-US" sz="1600" dirty="0"/>
+              <a:t>adding all the </a:t>
             </a:r>
             <a:r>
               <a:rPr lang="en-US" sz="1600" dirty="0" err="1"/>
@@ -3643,31 +3626,40 @@
             </a:r>
             <a:r>
               <a:rPr lang="en-US" sz="1600" dirty="0"/>
-              <a:t> values of all words in query to  find out the scores of the </a:t>
-            </a:r>
-            <a:r>
-              <a:rPr lang="en-US" sz="1600" dirty="0" err="1"/>
-              <a:t>document.Ranking</a:t>
-            </a:r>
-            <a:r>
-              <a:rPr lang="en-US" sz="1600" dirty="0"/>
-              <a:t> of document is done accordingly based on the </a:t>
-            </a:r>
-            <a:r>
-              <a:rPr lang="en-US" sz="1600" dirty="0" err="1"/>
-              <a:t>score.In</a:t>
-            </a:r>
-            <a:r>
-              <a:rPr lang="en-US" sz="1600" dirty="0"/>
-              <a:t> the second method also same procedure is followed except the term frequency is normalized </a:t>
-            </a:r>
-            <a:r>
-              <a:rPr lang="en-US" sz="1600" dirty="0" err="1"/>
-              <a:t>i.e.,it</a:t>
-            </a:r>
-            <a:r>
-              <a:rPr lang="en-US" sz="1600" dirty="0"/>
-              <a:t> is divided with the length of document. </a:t>
+              <a:t> values of all words in query to  find out the scores of the document</a:t>
+            </a:r>
+            <a:r>
+              <a:rPr lang="en-US" sz="1600" dirty="0" smtClean="0"/>
+              <a:t>.</a:t>
+            </a:r>
+          </a:p>
+          <a:p>
+            <a:endParaRPr lang="en-US" sz="1600" dirty="0" smtClean="0"/>
+          </a:p>
+          <a:p>
+            <a:r>
+              <a:rPr lang="en-US" sz="1600" dirty="0" smtClean="0"/>
+              <a:t> Ranking </a:t>
+            </a:r>
+            <a:r>
+              <a:rPr lang="en-US" sz="1600" dirty="0"/>
+              <a:t>of document is done accordingly based on the score</a:t>
+            </a:r>
+            <a:r>
+              <a:rPr lang="en-US" sz="1600" dirty="0" smtClean="0"/>
+              <a:t>. In </a:t>
+            </a:r>
+            <a:r>
+              <a:rPr lang="en-US" sz="1600" dirty="0"/>
+              <a:t>the second method also same procedure is followed except the term frequency is normalized i.e</a:t>
+            </a:r>
+            <a:r>
+              <a:rPr lang="en-US" sz="1600" dirty="0" smtClean="0"/>
+              <a:t>., it </a:t>
+            </a:r>
+            <a:r>
+              <a:rPr lang="en-US" sz="1600" dirty="0"/>
+              <a:t>is divided with the length of document. </a:t>
             </a:r>
             <a:endParaRPr lang="en-IN" sz="1600" dirty="0"/>
           </a:p>
@@ -3682,9 +3674,6 @@
             <a:endParaRPr lang="en-IN" sz="1600" dirty="0"/>
           </a:p>
           <a:p>
-            <a:pPr marL="114300" indent="0">
-              <a:buNone/>
-            </a:pPr>
             <a:r>
               <a:rPr lang="en-US" sz="1600" dirty="0"/>
               <a:t>After that the computation limits to the particular documents which is in top </a:t>
@@ -3695,15 +3684,15 @@
             </a:r>
             <a:r>
               <a:rPr lang="en-US" sz="1600" dirty="0"/>
-              <a:t> top files to be considered may be just a single file or more than that depending upon the </a:t>
-            </a:r>
-            <a:r>
-              <a:rPr lang="en-US" sz="1600" dirty="0" err="1"/>
-              <a:t>user.It</a:t>
-            </a:r>
-            <a:r>
-              <a:rPr lang="en-US" sz="1600" dirty="0"/>
-              <a:t> is basically taken one.</a:t>
+              <a:t> top files to be considered may be just a single file or more than that depending upon the user</a:t>
+            </a:r>
+            <a:r>
+              <a:rPr lang="en-US" sz="1600" dirty="0" smtClean="0"/>
+              <a:t>. It </a:t>
+            </a:r>
+            <a:r>
+              <a:rPr lang="en-US" sz="1600" dirty="0"/>
+              <a:t>is basically taken one.</a:t>
             </a:r>
             <a:endParaRPr lang="en-IN" sz="1600" dirty="0"/>
           </a:p>
@@ -3718,20 +3707,17 @@
             <a:endParaRPr lang="en-IN" sz="1600" dirty="0"/>
           </a:p>
           <a:p>
-            <a:pPr marL="114300" indent="0">
-              <a:buNone/>
-            </a:pPr>
-            <a:r>
-              <a:rPr lang="en-US" sz="1600" dirty="0"/>
-              <a:t>Once the top files have been </a:t>
-            </a:r>
-            <a:r>
-              <a:rPr lang="en-US" sz="1600" dirty="0" err="1"/>
-              <a:t>found.Then</a:t>
-            </a:r>
-            <a:r>
-              <a:rPr lang="en-US" sz="1600" dirty="0"/>
-              <a:t> the top sentences within that document is </a:t>
+            <a:r>
+              <a:rPr lang="en-US" sz="1600" dirty="0"/>
+              <a:t>Once the top files have been found</a:t>
+            </a:r>
+            <a:r>
+              <a:rPr lang="en-US" sz="1600" dirty="0" smtClean="0"/>
+              <a:t>. Then </a:t>
+            </a:r>
+            <a:r>
+              <a:rPr lang="en-US" sz="1600" dirty="0"/>
+              <a:t>the top sentences within that document is </a:t>
             </a:r>
             <a:r>
               <a:rPr lang="en-US" sz="1600" dirty="0" err="1"/>
@@ -5003,7 +4989,7 @@
         <p:spPr>
           <a:xfrm>
             <a:off x="251520" y="1124744"/>
-            <a:ext cx="8064896" cy="5355312"/>
+            <a:ext cx="8064896" cy="4524315"/>
           </a:xfrm>
           <a:prstGeom prst="rect">
             <a:avLst/>
@@ -5016,171 +5002,171 @@
           <a:lstStyle/>
           <a:p>
             <a:r>
-              <a:rPr lang="en-US" dirty="0"/>
+              <a:rPr lang="en-US" sz="1600" dirty="0"/>
               <a:t>The amount of information has increased tremendously over past years due to rapid growth of internet and expansion of data. Due to which it is difficult to fetch relevant information.</a:t>
             </a:r>
             <a:r>
-              <a:rPr lang="en-IN" dirty="0"/>
+              <a:rPr lang="en-IN" sz="1600" dirty="0"/>
               <a:t>However, the information retrieval systems are being used in order to get the desired information. </a:t>
             </a:r>
-            <a:endParaRPr lang="en-IN" dirty="0" smtClean="0"/>
-          </a:p>
-          <a:p>
-            <a:endParaRPr lang="en-IN" dirty="0"/>
-          </a:p>
-          <a:p>
-            <a:r>
-              <a:rPr lang="en-IN" dirty="0" smtClean="0"/>
+            <a:endParaRPr lang="en-IN" sz="1600" dirty="0" smtClean="0"/>
+          </a:p>
+          <a:p>
+            <a:endParaRPr lang="en-IN" sz="1600" dirty="0"/>
+          </a:p>
+          <a:p>
+            <a:r>
+              <a:rPr lang="en-IN" sz="1600" dirty="0" smtClean="0"/>
               <a:t>Each </a:t>
             </a:r>
             <a:r>
-              <a:rPr lang="en-IN" dirty="0"/>
+              <a:rPr lang="en-IN" sz="1600" dirty="0"/>
               <a:t>information retrieval system mainly composed of two parts the indexer and the ranking algorithm. The index is helpful in finding the set of documents which best </a:t>
             </a:r>
             <a:r>
-              <a:rPr lang="en-IN" dirty="0" err="1"/>
+              <a:rPr lang="en-IN" sz="1600" dirty="0" err="1"/>
               <a:t>fullfills</a:t>
             </a:r>
             <a:r>
-              <a:rPr lang="en-IN" dirty="0"/>
+              <a:rPr lang="en-IN" sz="1600" dirty="0"/>
               <a:t> the information need</a:t>
             </a:r>
             <a:r>
-              <a:rPr lang="en-IN" dirty="0" smtClean="0"/>
+              <a:rPr lang="en-IN" sz="1600" dirty="0" smtClean="0"/>
               <a:t>. The </a:t>
             </a:r>
             <a:r>
-              <a:rPr lang="en-IN" dirty="0"/>
+              <a:rPr lang="en-IN" sz="1600" dirty="0"/>
               <a:t>purpose of the ranking algorithm is to retrieve from the collection of documents the most relevant ones based on the rank. Ranking directly affects retrieval </a:t>
             </a:r>
             <a:r>
-              <a:rPr lang="en-IN" dirty="0" smtClean="0"/>
+              <a:rPr lang="en-IN" sz="1600" dirty="0" smtClean="0"/>
               <a:t>quality</a:t>
             </a:r>
           </a:p>
           <a:p>
-            <a:endParaRPr lang="en-US" dirty="0"/>
-          </a:p>
-          <a:p>
-            <a:r>
-              <a:rPr lang="en-US" dirty="0" smtClean="0"/>
+            <a:endParaRPr lang="en-US" sz="1600" dirty="0"/>
+          </a:p>
+          <a:p>
+            <a:r>
+              <a:rPr lang="en-US" sz="1600" dirty="0" smtClean="0"/>
               <a:t>In this project we will focus on the </a:t>
             </a:r>
             <a:r>
-              <a:rPr lang="en-US" dirty="0" err="1" smtClean="0"/>
+              <a:rPr lang="en-US" sz="1600" dirty="0" err="1" smtClean="0"/>
               <a:t>tf-idf</a:t>
             </a:r>
             <a:r>
-              <a:rPr lang="en-US" dirty="0" smtClean="0"/>
+              <a:rPr lang="en-US" sz="1600" dirty="0" smtClean="0"/>
               <a:t> algorithm for fetching information.</a:t>
             </a:r>
             <a:r>
-              <a:rPr lang="en-US" dirty="0"/>
+              <a:rPr lang="en-US" sz="1600" dirty="0"/>
               <a:t> TF-IDF is a statistical measure that evaluates how relevant word  </a:t>
             </a:r>
             <a:r>
-              <a:rPr lang="en-US" b="1" dirty="0"/>
+              <a:rPr lang="en-US" sz="1600" b="1" dirty="0"/>
               <a:t> </a:t>
             </a:r>
             <a:r>
-              <a:rPr lang="en-US" dirty="0"/>
+              <a:rPr lang="en-US" sz="1600" dirty="0"/>
               <a:t>is to a document in a collection of </a:t>
             </a:r>
             <a:r>
-              <a:rPr lang="en-US" dirty="0" err="1" smtClean="0"/>
+              <a:rPr lang="en-US" sz="1600" dirty="0" err="1" smtClean="0"/>
               <a:t>documents.Term</a:t>
             </a:r>
             <a:r>
-              <a:rPr lang="en-US" dirty="0" smtClean="0"/>
+              <a:rPr lang="en-US" sz="1600" dirty="0" smtClean="0"/>
               <a:t> </a:t>
             </a:r>
             <a:r>
-              <a:rPr lang="en-US" dirty="0"/>
+              <a:rPr lang="en-US" sz="1600" dirty="0"/>
               <a:t>frequency(</a:t>
             </a:r>
             <a:r>
-              <a:rPr lang="en-US" dirty="0" err="1"/>
+              <a:rPr lang="en-US" sz="1600" dirty="0" err="1"/>
               <a:t>tf</a:t>
             </a:r>
             <a:r>
-              <a:rPr lang="en-US" dirty="0"/>
+              <a:rPr lang="en-US" sz="1600" dirty="0"/>
               <a:t>) indicates how important a specific term in a </a:t>
             </a:r>
             <a:r>
-              <a:rPr lang="en-US" dirty="0" err="1" smtClean="0"/>
+              <a:rPr lang="en-US" sz="1600" dirty="0" err="1" smtClean="0"/>
               <a:t>document.Whereas</a:t>
             </a:r>
             <a:r>
-              <a:rPr lang="en-US" dirty="0" smtClean="0"/>
+              <a:rPr lang="en-US" sz="1600" dirty="0" smtClean="0"/>
               <a:t> </a:t>
             </a:r>
             <a:r>
-              <a:rPr lang="en-US" dirty="0"/>
+              <a:rPr lang="en-US" sz="1600" dirty="0"/>
               <a:t>inverse document frequency(</a:t>
             </a:r>
             <a:r>
-              <a:rPr lang="en-US" dirty="0" err="1"/>
+              <a:rPr lang="en-US" sz="1600" dirty="0" err="1"/>
               <a:t>idf</a:t>
             </a:r>
             <a:r>
-              <a:rPr lang="en-US" dirty="0"/>
+              <a:rPr lang="en-US" sz="1600" dirty="0"/>
               <a:t>) is the weight of the </a:t>
             </a:r>
             <a:r>
-              <a:rPr lang="en-US" dirty="0" err="1"/>
+              <a:rPr lang="en-US" sz="1600" dirty="0" err="1"/>
               <a:t>term.It</a:t>
             </a:r>
             <a:r>
-              <a:rPr lang="en-US" dirty="0"/>
+              <a:rPr lang="en-US" sz="1600" dirty="0"/>
               <a:t> aims to reduce the weight if the </a:t>
             </a:r>
             <a:r>
-              <a:rPr lang="en-US" dirty="0" err="1"/>
+              <a:rPr lang="en-US" sz="1600" dirty="0" err="1"/>
               <a:t>the</a:t>
             </a:r>
             <a:r>
-              <a:rPr lang="en-US" dirty="0"/>
+              <a:rPr lang="en-US" sz="1600" dirty="0"/>
               <a:t> term’s occurrences is </a:t>
             </a:r>
             <a:r>
-              <a:rPr lang="en-US" dirty="0" err="1"/>
+              <a:rPr lang="en-US" sz="1600" dirty="0" err="1"/>
               <a:t>scattered.Ranking</a:t>
             </a:r>
             <a:r>
-              <a:rPr lang="en-US" dirty="0"/>
+              <a:rPr lang="en-US" sz="1600" dirty="0"/>
               <a:t> of the document is </a:t>
             </a:r>
             <a:r>
-              <a:rPr lang="en-US" dirty="0" err="1"/>
+              <a:rPr lang="en-US" sz="1600" dirty="0" err="1"/>
               <a:t>tf-idf</a:t>
             </a:r>
             <a:r>
-              <a:rPr lang="en-US" dirty="0"/>
+              <a:rPr lang="en-US" sz="1600" dirty="0"/>
               <a:t> score which is the product of </a:t>
             </a:r>
             <a:r>
-              <a:rPr lang="en-US" dirty="0" err="1"/>
+              <a:rPr lang="en-US" sz="1600" dirty="0" err="1"/>
               <a:t>tf</a:t>
             </a:r>
             <a:r>
-              <a:rPr lang="en-US" dirty="0"/>
+              <a:rPr lang="en-US" sz="1600" dirty="0"/>
               <a:t> and </a:t>
             </a:r>
             <a:r>
-              <a:rPr lang="en-US" dirty="0" err="1"/>
+              <a:rPr lang="en-US" sz="1600" dirty="0" err="1"/>
               <a:t>idf</a:t>
             </a:r>
             <a:r>
-              <a:rPr lang="en-US" dirty="0"/>
+              <a:rPr lang="en-US" sz="1600" dirty="0"/>
               <a:t>.</a:t>
             </a:r>
-            <a:endParaRPr lang="en-IN" dirty="0"/>
-          </a:p>
-          <a:p>
-            <a:endParaRPr lang="en-US" dirty="0" smtClean="0"/>
-          </a:p>
-          <a:p>
-            <a:endParaRPr lang="en-IN" dirty="0"/>
+            <a:endParaRPr lang="en-IN" sz="1600" dirty="0"/>
+          </a:p>
+          <a:p>
+            <a:endParaRPr lang="en-US" sz="1600" dirty="0" smtClean="0"/>
+          </a:p>
+          <a:p>
+            <a:endParaRPr lang="en-IN" sz="1600" dirty="0"/>
           </a:p>
         </p:txBody>
       </p:sp>
@@ -5255,54 +5241,94 @@
         <p:spPr/>
         <p:txBody>
           <a:bodyPr>
-            <a:normAutofit fontScale="92500" lnSpcReduction="10000"/>
+            <a:normAutofit/>
           </a:bodyPr>
           <a:lstStyle/>
           <a:p>
             <a:r>
-              <a:rPr lang="en-US" b="1" dirty="0"/>
+              <a:rPr lang="en-US" sz="1600" b="1" dirty="0"/>
               <a:t>TF (Term Frequency):</a:t>
             </a:r>
-            <a:endParaRPr lang="en-IN" dirty="0"/>
+            <a:endParaRPr lang="en-IN" sz="1600" dirty="0"/>
           </a:p>
           <a:p>
             <a:pPr marL="114300" indent="0">
               <a:buNone/>
             </a:pPr>
             <a:r>
-              <a:rPr lang="en-US" dirty="0"/>
+              <a:rPr lang="en-US" sz="1600" dirty="0"/>
               <a:t> The TF is a frequency count of a term in a document. There are several ways of calculating this frequency, with simple raw count of instance of a word appears in a document. Then there are ways to adjust the frequency of the most frequent word in a document. One of the way is to divide the frequency count with the length of the document (the number of set of different instances). </a:t>
             </a:r>
-            <a:endParaRPr lang="en-US" dirty="0" smtClean="0"/>
+            <a:endParaRPr lang="en-US" sz="1600" dirty="0" smtClean="0"/>
           </a:p>
           <a:p>
             <a:pPr marL="114300" indent="0">
               <a:buNone/>
             </a:pPr>
-            <a:endParaRPr lang="en-IN" dirty="0"/>
-          </a:p>
-          <a:p>
-            <a:r>
-              <a:rPr lang="en-US" b="1" dirty="0"/>
+            <a:endParaRPr lang="en-IN" sz="1600" dirty="0"/>
+          </a:p>
+          <a:p>
+            <a:r>
+              <a:rPr lang="en-US" sz="1600" b="1" dirty="0"/>
               <a:t>IDF (Inverse Document Frequency):</a:t>
             </a:r>
-            <a:endParaRPr lang="en-IN" dirty="0"/>
+            <a:endParaRPr lang="en-IN" sz="1600" dirty="0"/>
           </a:p>
           <a:p>
             <a:pPr marL="114300" indent="0">
               <a:buNone/>
             </a:pPr>
             <a:r>
-              <a:rPr lang="en-US" dirty="0"/>
+              <a:rPr lang="en-US" sz="1600" dirty="0"/>
               <a:t>The Inverse Document Frequency is the frequency of a word across set of documents. These means how common or rare a word is in the entire document set. The closer it is 0, the more common, a word is. The metric can be calculated by taking the total number of documents, dividing it by the number of documents that contain a word, and calculating the algorithm upon it. </a:t>
             </a:r>
-            <a:endParaRPr lang="en-IN" dirty="0"/>
-          </a:p>
-          <a:p>
-            <a:endParaRPr lang="en-IN" dirty="0"/>
-          </a:p>
-        </p:txBody>
-      </p:sp>
+            <a:endParaRPr lang="en-IN" sz="1600" dirty="0"/>
+          </a:p>
+          <a:p>
+            <a:endParaRPr lang="en-US" sz="1600" dirty="0" smtClean="0"/>
+          </a:p>
+          <a:p>
+            <a:r>
+              <a:rPr lang="en-US" sz="1600" dirty="0"/>
+              <a:t> </a:t>
+            </a:r>
+            <a:endParaRPr lang="en-IN" sz="1600" dirty="0"/>
+          </a:p>
+        </p:txBody>
+      </p:sp>
+      <p:pic>
+        <p:nvPicPr>
+          <p:cNvPr id="4" name="Picture 3" descr="Inverse Document Frequency"/>
+          <p:cNvPicPr/>
+          <p:nvPr/>
+        </p:nvPicPr>
+        <p:blipFill>
+          <a:blip r:embed="rId2">
+            <a:extLst>
+              <a:ext uri="{28A0092B-C50C-407E-A947-70E740481C1C}">
+                <a14:useLocalDpi xmlns:a14="http://schemas.microsoft.com/office/drawing/2010/main" val="0"/>
+              </a:ext>
+            </a:extLst>
+          </a:blip>
+          <a:srcRect/>
+          <a:stretch>
+            <a:fillRect/>
+          </a:stretch>
+        </p:blipFill>
+        <p:spPr bwMode="auto">
+          <a:xfrm>
+            <a:off x="1141160" y="5229200"/>
+            <a:ext cx="5386070" cy="647700"/>
+          </a:xfrm>
+          <a:prstGeom prst="rect">
+            <a:avLst/>
+          </a:prstGeom>
+          <a:noFill/>
+          <a:ln>
+            <a:noFill/>
+          </a:ln>
+        </p:spPr>
+      </p:pic>
     </p:spTree>
     <p:extLst>
       <p:ext uri="{BB962C8B-B14F-4D97-AF65-F5344CB8AC3E}">
@@ -5353,21 +5379,12 @@
           <a:bodyPr/>
           <a:lstStyle/>
           <a:p>
-            <a:endParaRPr lang="en-US" b="1" dirty="0" smtClean="0"/>
-          </a:p>
-          <a:p>
-            <a:endParaRPr lang="en-US" b="1" dirty="0" smtClean="0"/>
-          </a:p>
-          <a:p>
             <a:pPr marL="114300" indent="0">
               <a:buNone/>
             </a:pPr>
             <a:endParaRPr lang="en-US" b="1" dirty="0" smtClean="0"/>
           </a:p>
           <a:p>
-            <a:endParaRPr lang="en-US" b="1" dirty="0" smtClean="0"/>
-          </a:p>
-          <a:p>
             <a:r>
               <a:rPr lang="en-US" b="1" dirty="0" smtClean="0"/>
               <a:t>TF-IDF</a:t>
@@ -5413,39 +5430,6 @@
           </a:p>
         </p:txBody>
       </p:sp>
-      <p:pic>
-        <p:nvPicPr>
-          <p:cNvPr id="6" name="Picture 5" descr="Inverse Document Frequency"/>
-          <p:cNvPicPr/>
-          <p:nvPr/>
-        </p:nvPicPr>
-        <p:blipFill>
-          <a:blip r:embed="rId2">
-            <a:extLst>
-              <a:ext uri="{28A0092B-C50C-407E-A947-70E740481C1C}">
-                <a14:useLocalDpi xmlns:a14="http://schemas.microsoft.com/office/drawing/2010/main" val="0"/>
-              </a:ext>
-            </a:extLst>
-          </a:blip>
-          <a:srcRect/>
-          <a:stretch>
-            <a:fillRect/>
-          </a:stretch>
-        </p:blipFill>
-        <p:spPr bwMode="auto">
-          <a:xfrm>
-            <a:off x="1043608" y="764704"/>
-            <a:ext cx="5386070" cy="647700"/>
-          </a:xfrm>
-          <a:prstGeom prst="rect">
-            <a:avLst/>
-          </a:prstGeom>
-          <a:noFill/>
-          <a:ln>
-            <a:noFill/>
-          </a:ln>
-        </p:spPr>
-      </p:pic>
       <p:pic>
         <p:nvPicPr>
           <p:cNvPr id="9" name="Picture 8" descr="TF-IDF formula"/>
@@ -5453,7 +5437,7 @@
           <p:nvPr/>
         </p:nvPicPr>
         <p:blipFill>
-          <a:blip r:embed="rId3" cstate="print">
+          <a:blip r:embed="rId2" cstate="print">
             <a:extLst>
               <a:ext uri="{28A0092B-C50C-407E-A947-70E740481C1C}">
                 <a14:useLocalDpi xmlns:a14="http://schemas.microsoft.com/office/drawing/2010/main" val="0"/>
@@ -5486,7 +5470,7 @@
           <p:nvPr/>
         </p:nvPicPr>
         <p:blipFill>
-          <a:blip r:embed="rId4" cstate="print">
+          <a:blip r:embed="rId3" cstate="print">
             <a:extLst>
               <a:ext uri="{28A0092B-C50C-407E-A947-70E740481C1C}">
                 <a14:useLocalDpi xmlns:a14="http://schemas.microsoft.com/office/drawing/2010/main" val="0"/>
@@ -5519,7 +5503,7 @@
           <p:nvPr/>
         </p:nvPicPr>
         <p:blipFill>
-          <a:blip r:embed="rId5" cstate="print">
+          <a:blip r:embed="rId4" cstate="print">
             <a:extLst>
               <a:ext uri="{28A0092B-C50C-407E-A947-70E740481C1C}">
                 <a14:useLocalDpi xmlns:a14="http://schemas.microsoft.com/office/drawing/2010/main" val="0"/>
@@ -5732,6 +5716,12 @@
             </a:r>
           </a:p>
           <a:p>
+            <a:pPr marL="114300" indent="0">
+              <a:buNone/>
+            </a:pPr>
+            <a:endParaRPr lang="en-US" sz="1600" dirty="0" smtClean="0"/>
+          </a:p>
+          <a:p>
             <a:r>
               <a:rPr lang="en-US" sz="1600" dirty="0" smtClean="0"/>
               <a:t>Query </a:t>
@@ -5746,6 +5736,12 @@
             </a:r>
           </a:p>
           <a:p>
+            <a:pPr marL="114300" indent="0">
+              <a:buNone/>
+            </a:pPr>
+            <a:endParaRPr lang="en-US" sz="1600" dirty="0" smtClean="0"/>
+          </a:p>
+          <a:p>
             <a:r>
               <a:rPr lang="en-US" sz="1600" dirty="0" smtClean="0"/>
               <a:t>Both </a:t>
@@ -5768,17 +5764,29 @@
             </a:r>
           </a:p>
           <a:p>
+            <a:pPr marL="114300" indent="0">
+              <a:buNone/>
+            </a:pPr>
+            <a:endParaRPr lang="en-US" sz="1600" dirty="0" smtClean="0"/>
+          </a:p>
+          <a:p>
             <a:r>
               <a:rPr lang="en-US" sz="1600" dirty="0" smtClean="0"/>
               <a:t>IR </a:t>
             </a:r>
             <a:r>
               <a:rPr lang="en-US" sz="1600" dirty="0"/>
-              <a:t>system is responsible for finding the suitable files among the corpus and relevant sentence or passage within them and return to the user.</a:t>
-            </a:r>
-            <a:endParaRPr lang="en-IN" sz="1600" dirty="0"/>
-          </a:p>
-          <a:p>
+              <a:t>system is responsible for finding the suitable files among the corpus and relevant sentence or passage within them and return to the user</a:t>
+            </a:r>
+            <a:r>
+              <a:rPr lang="en-US" sz="1600" dirty="0" smtClean="0"/>
+              <a:t>.</a:t>
+            </a:r>
+          </a:p>
+          <a:p>
+            <a:pPr marL="114300" indent="0">
+              <a:buNone/>
+            </a:pPr>
             <a:endParaRPr lang="en-US" sz="1600" dirty="0" smtClean="0"/>
           </a:p>
           <a:p>
@@ -5791,20 +5799,20 @@
               <a:t>is done to find whether set of document returned is </a:t>
             </a:r>
             <a:r>
-              <a:rPr lang="en-US" sz="1600" dirty="0" err="1"/>
-              <a:t>releveant</a:t>
-            </a:r>
-            <a:r>
-              <a:rPr lang="en-US" sz="1600" dirty="0"/>
-              <a:t> or </a:t>
-            </a:r>
-            <a:r>
-              <a:rPr lang="en-US" sz="1600" dirty="0" err="1"/>
-              <a:t>not.Further</a:t>
-            </a:r>
-            <a:r>
-              <a:rPr lang="en-US" sz="1600" dirty="0"/>
-              <a:t> the relevancy of sentence or passage returned is also validated. </a:t>
+              <a:rPr lang="en-US" sz="1600" dirty="0" smtClean="0"/>
+              <a:t>relevant </a:t>
+            </a:r>
+            <a:r>
+              <a:rPr lang="en-US" sz="1600" dirty="0"/>
+              <a:t>or not</a:t>
+            </a:r>
+            <a:r>
+              <a:rPr lang="en-US" sz="1600" dirty="0" smtClean="0"/>
+              <a:t>. Further </a:t>
+            </a:r>
+            <a:r>
+              <a:rPr lang="en-US" sz="1600" dirty="0"/>
+              <a:t>the relevancy of sentence or passage returned is also validated. </a:t>
             </a:r>
             <a:r>
               <a:rPr lang="en-US" sz="1600" b="1" dirty="0"/>
@@ -6120,7 +6128,7 @@
         </p:nvGraphicFramePr>
         <p:xfrm>
           <a:off x="1115616" y="980728"/>
-          <a:ext cx="5868670" cy="1979930"/>
+          <a:ext cx="5868670" cy="2103120"/>
         </p:xfrm>
         <a:graphic>
           <a:graphicData uri="http://schemas.openxmlformats.org/drawingml/2006/table">

--- a/INTRODUCTION.pptx
+++ b/INTRODUCTION.pptx
@@ -2,7 +2,7 @@
 <file path=ppt/presentation.xml><?xml version="1.0" encoding="utf-8"?>
 <p:presentation xmlns:a="http://schemas.openxmlformats.org/drawingml/2006/main" xmlns:r="http://schemas.openxmlformats.org/officeDocument/2006/relationships" xmlns:p="http://schemas.openxmlformats.org/presentationml/2006/main" saveSubsetFonts="1">
   <p:sldMasterIdLst>
-    <p:sldMasterId id="2147483696" r:id="rId1"/>
+    <p:sldMasterId id="2147483780" r:id="rId1"/>
   </p:sldMasterIdLst>
   <p:sldIdLst>
     <p:sldId id="287" r:id="rId2"/>
@@ -2873,17 +2873,17 @@
   </p:cSld>
   <p:clrMap bg1="lt1" tx1="dk1" bg2="lt2" tx2="dk2" accent1="accent1" accent2="accent2" accent3="accent3" accent4="accent4" accent5="accent5" accent6="accent6" hlink="hlink" folHlink="folHlink"/>
   <p:sldLayoutIdLst>
-    <p:sldLayoutId id="2147483697" r:id="rId1"/>
-    <p:sldLayoutId id="2147483698" r:id="rId2"/>
-    <p:sldLayoutId id="2147483699" r:id="rId3"/>
-    <p:sldLayoutId id="2147483700" r:id="rId4"/>
-    <p:sldLayoutId id="2147483701" r:id="rId5"/>
-    <p:sldLayoutId id="2147483702" r:id="rId6"/>
-    <p:sldLayoutId id="2147483703" r:id="rId7"/>
-    <p:sldLayoutId id="2147483704" r:id="rId8"/>
-    <p:sldLayoutId id="2147483705" r:id="rId9"/>
-    <p:sldLayoutId id="2147483706" r:id="rId10"/>
-    <p:sldLayoutId id="2147483707" r:id="rId11"/>
+    <p:sldLayoutId id="2147483781" r:id="rId1"/>
+    <p:sldLayoutId id="2147483782" r:id="rId2"/>
+    <p:sldLayoutId id="2147483783" r:id="rId3"/>
+    <p:sldLayoutId id="2147483784" r:id="rId4"/>
+    <p:sldLayoutId id="2147483785" r:id="rId5"/>
+    <p:sldLayoutId id="2147483786" r:id="rId6"/>
+    <p:sldLayoutId id="2147483787" r:id="rId7"/>
+    <p:sldLayoutId id="2147483788" r:id="rId8"/>
+    <p:sldLayoutId id="2147483789" r:id="rId9"/>
+    <p:sldLayoutId id="2147483790" r:id="rId10"/>
+    <p:sldLayoutId id="2147483791" r:id="rId11"/>
   </p:sldLayoutIdLst>
   <p:txStyles>
     <p:titleStyle>
@@ -3460,7 +3460,21 @@
             </a:r>
             <a:r>
               <a:rPr lang="en-US" sz="1600" dirty="0"/>
-              <a:t>user will asks some queries that the answer might be present in those text documents. The algorithm will first find out the most relevant document among  them. And again it will look for the most relevant information based on the query the user has asked and return the answer. </a:t>
+              <a:t>user will asks some queries that the answer might be present in those text documents. </a:t>
+            </a:r>
+            <a:endParaRPr lang="en-US" sz="1600" dirty="0" smtClean="0"/>
+          </a:p>
+          <a:p>
+            <a:endParaRPr lang="en-US" sz="1600" dirty="0"/>
+          </a:p>
+          <a:p>
+            <a:r>
+              <a:rPr lang="en-US" sz="1600" dirty="0" smtClean="0"/>
+              <a:t>The </a:t>
+            </a:r>
+            <a:r>
+              <a:rPr lang="en-US" sz="1600" dirty="0"/>
+              <a:t>algorithm will first find out the most relevant document among  them. And again it will look for the most relevant information based on the query the user has asked and return the answer. </a:t>
             </a:r>
             <a:endParaRPr lang="en-IN" sz="1600" dirty="0"/>
           </a:p>
@@ -3509,11 +3523,7 @@
             </a:r>
             <a:r>
               <a:rPr lang="en-US" sz="1600" dirty="0" smtClean="0"/>
-              <a:t>flow chart</a:t>
-            </a:r>
-            <a:r>
-              <a:rPr lang="en-US" sz="1600" dirty="0" smtClean="0"/>
-              <a:t>. </a:t>
+              <a:t>flow chart. </a:t>
             </a:r>
             <a:endParaRPr lang="en-IN" sz="1600" dirty="0"/>
           </a:p>
@@ -3778,7 +3788,9 @@
           </a:xfrm>
         </p:spPr>
         <p:txBody>
-          <a:bodyPr/>
+          <a:bodyPr>
+            <a:normAutofit fontScale="90000"/>
+          </a:bodyPr>
           <a:lstStyle/>
           <a:p>
             <a:r>
@@ -4209,25 +4221,41 @@
         </p:nvSpPr>
         <p:spPr>
           <a:xfrm>
-            <a:off x="1475656" y="332656"/>
-            <a:ext cx="4978896" cy="778098"/>
+            <a:off x="1475656" y="260648"/>
+            <a:ext cx="4978896" cy="648072"/>
           </a:xfrm>
         </p:spPr>
         <p:txBody>
-          <a:bodyPr/>
+          <a:bodyPr>
+            <a:normAutofit fontScale="90000"/>
+          </a:bodyPr>
           <a:lstStyle/>
           <a:p>
             <a:r>
               <a:rPr lang="en-US" sz="2000" u="sng" dirty="0" smtClean="0"/>
-              <a:t>SOLUTIONS  </a:t>
+              <a:t/>
+            </a:r>
+            <a:br>
+              <a:rPr lang="en-US" sz="2000" u="sng" dirty="0" smtClean="0"/>
+            </a:br>
+            <a:r>
+              <a:rPr lang="en-US" sz="2000" u="sng" dirty="0" smtClean="0"/>
+              <a:t/>
+            </a:r>
+            <a:br>
+              <a:rPr lang="en-US" sz="2000" u="sng" dirty="0" smtClean="0"/>
+            </a:br>
+            <a:r>
+              <a:rPr lang="en-US" sz="2000" u="sng" dirty="0" smtClean="0"/>
+              <a:t>SOLUTIONS  TO  </a:t>
             </a:r>
             <a:r>
               <a:rPr lang="en-US" sz="2000" u="sng" dirty="0"/>
-              <a:t>TO OVERCOME LIMITATIONS</a:t>
-            </a:r>
-            <a:r>
-              <a:rPr lang="en-US" u="sng" dirty="0"/>
-              <a:t>:</a:t>
+              <a:t>OVERCOME </a:t>
+            </a:r>
+            <a:r>
+              <a:rPr lang="en-US" sz="2000" u="sng" dirty="0" smtClean="0"/>
+              <a:t>LIMITATIONS</a:t>
             </a:r>
             <a:r>
               <a:rPr lang="en-IN" dirty="0"/>
@@ -4965,7 +4993,9 @@
           </a:xfrm>
         </p:spPr>
         <p:txBody>
-          <a:bodyPr/>
+          <a:bodyPr>
+            <a:normAutofit/>
+          </a:bodyPr>
           <a:lstStyle/>
           <a:p>
             <a:r>
@@ -4989,7 +5019,7 @@
         <p:spPr>
           <a:xfrm>
             <a:off x="251520" y="1124744"/>
-            <a:ext cx="8064896" cy="4524315"/>
+            <a:ext cx="8064896" cy="3539430"/>
           </a:xfrm>
           <a:prstGeom prst="rect">
             <a:avLst/>
@@ -5003,7 +5033,27 @@
           <a:p>
             <a:r>
               <a:rPr lang="en-US" sz="1600" dirty="0"/>
-              <a:t>The amount of information has increased tremendously over past years due to rapid growth of internet and expansion of data. Due to which it is difficult to fetch relevant information.</a:t>
+              <a:t>The amount of </a:t>
+            </a:r>
+            <a:r>
+              <a:rPr lang="en-US" sz="1600" dirty="0" smtClean="0"/>
+              <a:t>data </a:t>
+            </a:r>
+            <a:r>
+              <a:rPr lang="en-US" sz="1600" dirty="0" smtClean="0"/>
+              <a:t>has </a:t>
+            </a:r>
+            <a:r>
+              <a:rPr lang="en-US" sz="1600" dirty="0"/>
+              <a:t>increased tremendously over past years </a:t>
+            </a:r>
+            <a:r>
+              <a:rPr lang="en-US" sz="1600" dirty="0" smtClean="0"/>
+              <a:t>due </a:t>
+            </a:r>
+            <a:r>
+              <a:rPr lang="en-US" sz="1600" dirty="0"/>
+              <a:t>to which it is difficult to fetch relevant information.</a:t>
             </a:r>
             <a:r>
               <a:rPr lang="en-IN" sz="1600" dirty="0"/>
@@ -5033,7 +5083,16 @@
             </a:r>
             <a:r>
               <a:rPr lang="en-IN" sz="1600" dirty="0" smtClean="0"/>
-              <a:t>. The </a:t>
+              <a:t>. </a:t>
+            </a:r>
+          </a:p>
+          <a:p>
+            <a:endParaRPr lang="en-IN" sz="1600" dirty="0"/>
+          </a:p>
+          <a:p>
+            <a:r>
+              <a:rPr lang="en-IN" sz="1600" dirty="0" smtClean="0"/>
+              <a:t>The </a:t>
             </a:r>
             <a:r>
               <a:rPr lang="en-IN" sz="1600" dirty="0"/>
@@ -5070,100 +5129,12 @@
             </a:r>
             <a:r>
               <a:rPr lang="en-US" sz="1600" dirty="0"/>
-              <a:t>is to a document in a collection of </a:t>
-            </a:r>
-            <a:r>
-              <a:rPr lang="en-US" sz="1600" dirty="0" err="1" smtClean="0"/>
-              <a:t>documents.Term</a:t>
+              <a:t>is to a document in a collection </a:t>
             </a:r>
             <a:r>
               <a:rPr lang="en-US" sz="1600" dirty="0" smtClean="0"/>
-              <a:t> </a:t>
-            </a:r>
-            <a:r>
-              <a:rPr lang="en-US" sz="1600" dirty="0"/>
-              <a:t>frequency(</a:t>
-            </a:r>
-            <a:r>
-              <a:rPr lang="en-US" sz="1600" dirty="0" err="1"/>
-              <a:t>tf</a:t>
-            </a:r>
-            <a:r>
-              <a:rPr lang="en-US" sz="1600" dirty="0"/>
-              <a:t>) indicates how important a specific term in a </a:t>
-            </a:r>
-            <a:r>
-              <a:rPr lang="en-US" sz="1600" dirty="0" err="1" smtClean="0"/>
-              <a:t>document.Whereas</a:t>
-            </a:r>
-            <a:r>
-              <a:rPr lang="en-US" sz="1600" dirty="0" smtClean="0"/>
-              <a:t> </a:t>
-            </a:r>
-            <a:r>
-              <a:rPr lang="en-US" sz="1600" dirty="0"/>
-              <a:t>inverse document frequency(</a:t>
-            </a:r>
-            <a:r>
-              <a:rPr lang="en-US" sz="1600" dirty="0" err="1"/>
-              <a:t>idf</a:t>
-            </a:r>
-            <a:r>
-              <a:rPr lang="en-US" sz="1600" dirty="0"/>
-              <a:t>) is the weight of the </a:t>
-            </a:r>
-            <a:r>
-              <a:rPr lang="en-US" sz="1600" dirty="0" err="1"/>
-              <a:t>term.It</a:t>
-            </a:r>
-            <a:r>
-              <a:rPr lang="en-US" sz="1600" dirty="0"/>
-              <a:t> aims to reduce the weight if the </a:t>
-            </a:r>
-            <a:r>
-              <a:rPr lang="en-US" sz="1600" dirty="0" err="1"/>
-              <a:t>the</a:t>
-            </a:r>
-            <a:r>
-              <a:rPr lang="en-US" sz="1600" dirty="0"/>
-              <a:t> term’s occurrences is </a:t>
-            </a:r>
-            <a:r>
-              <a:rPr lang="en-US" sz="1600" dirty="0" err="1"/>
-              <a:t>scattered.Ranking</a:t>
-            </a:r>
-            <a:r>
-              <a:rPr lang="en-US" sz="1600" dirty="0"/>
-              <a:t> of the document is </a:t>
-            </a:r>
-            <a:r>
-              <a:rPr lang="en-US" sz="1600" dirty="0" err="1"/>
-              <a:t>tf-idf</a:t>
-            </a:r>
-            <a:r>
-              <a:rPr lang="en-US" sz="1600" dirty="0"/>
-              <a:t> score which is the product of </a:t>
-            </a:r>
-            <a:r>
-              <a:rPr lang="en-US" sz="1600" dirty="0" err="1"/>
-              <a:t>tf</a:t>
-            </a:r>
-            <a:r>
-              <a:rPr lang="en-US" sz="1600" dirty="0"/>
-              <a:t> and </a:t>
-            </a:r>
-            <a:r>
-              <a:rPr lang="en-US" sz="1600" dirty="0" err="1"/>
-              <a:t>idf</a:t>
-            </a:r>
-            <a:r>
-              <a:rPr lang="en-US" sz="1600" dirty="0"/>
-              <a:t>.</a:t>
-            </a:r>
-            <a:endParaRPr lang="en-IN" sz="1600" dirty="0"/>
-          </a:p>
-          <a:p>
-            <a:endParaRPr lang="en-US" sz="1600" dirty="0" smtClean="0"/>
+              <a:t>of</a:t>
+            </a:r>
           </a:p>
           <a:p>
             <a:endParaRPr lang="en-IN" sz="1600" dirty="0"/>
@@ -5257,7 +5228,39 @@
             </a:pPr>
             <a:r>
               <a:rPr lang="en-US" sz="1600" dirty="0"/>
-              <a:t> The TF is a frequency count of a term in a document. There are several ways of calculating this frequency, with simple raw count of instance of a word appears in a document. Then there are ways to adjust the frequency of the most frequent word in a document. One of the way is to divide the frequency count with the length of the document (the number of set of different instances). </a:t>
+              <a:t> The TF is a frequency count of a term in a document. </a:t>
+            </a:r>
+            <a:r>
+              <a:rPr lang="en-US" sz="1600" dirty="0" smtClean="0"/>
+              <a:t>One way is</a:t>
+            </a:r>
+            <a:r>
+              <a:rPr lang="en-US" sz="1600" dirty="0" smtClean="0"/>
+              <a:t> </a:t>
+            </a:r>
+            <a:r>
+              <a:rPr lang="en-US" sz="1600" dirty="0"/>
+              <a:t>with simple raw count of instance of a word appears in a document. </a:t>
+            </a:r>
+            <a:r>
+              <a:rPr lang="en-US" sz="1600" dirty="0" smtClean="0"/>
+              <a:t>Another way is to</a:t>
+            </a:r>
+            <a:r>
+              <a:rPr lang="en-US" sz="1600" dirty="0" smtClean="0"/>
+              <a:t> </a:t>
+            </a:r>
+            <a:r>
+              <a:rPr lang="en-US" sz="1600" dirty="0"/>
+              <a:t>adjust the frequency of the most frequent word in a document</a:t>
+            </a:r>
+            <a:r>
+              <a:rPr lang="en-US" sz="1600" dirty="0" smtClean="0"/>
+              <a:t>. by dividing </a:t>
+            </a:r>
+            <a:r>
+              <a:rPr lang="en-US" sz="1600" dirty="0"/>
+              <a:t>the frequency count with the length of the document (the number of set of different instances). </a:t>
             </a:r>
             <a:endParaRPr lang="en-US" sz="1600" dirty="0" smtClean="0"/>
           </a:p>
@@ -5280,7 +5283,15 @@
             </a:pPr>
             <a:r>
               <a:rPr lang="en-US" sz="1600" dirty="0"/>
-              <a:t>The Inverse Document Frequency is the frequency of a word across set of documents. These means how common or rare a word is in the entire document set. The closer it is 0, the more common, a word is. The metric can be calculated by taking the total number of documents, dividing it by the number of documents that contain a word, and calculating the algorithm upon it. </a:t>
+              <a:t>The Inverse Document Frequency is the frequency of a word across set of documents. These means how common or rare a word is in the entire document set. </a:t>
+            </a:r>
+            <a:r>
+              <a:rPr lang="en-US" sz="1600" dirty="0" smtClean="0"/>
+              <a:t>The </a:t>
+            </a:r>
+            <a:r>
+              <a:rPr lang="en-US" sz="1600" dirty="0"/>
+              <a:t>metric can be calculated by taking the total number of documents, dividing it by the number of documents that contain a word, and calculating the algorithm upon it. </a:t>
             </a:r>
             <a:endParaRPr lang="en-IN" sz="1600" dirty="0"/>
           </a:p>
@@ -5882,7 +5893,9 @@
           </a:xfrm>
         </p:spPr>
         <p:txBody>
-          <a:bodyPr/>
+          <a:bodyPr>
+            <a:normAutofit/>
+          </a:bodyPr>
           <a:lstStyle/>
           <a:p>
             <a:r>
@@ -5915,15 +5928,14 @@
               </a:ext>
             </a:extLst>
           </a:blip>
-          <a:srcRect/>
           <a:stretch>
             <a:fillRect/>
           </a:stretch>
         </p:blipFill>
         <p:spPr bwMode="auto">
           <a:xfrm>
-            <a:off x="1331640" y="1052737"/>
-            <a:ext cx="5649657" cy="5348064"/>
+            <a:off x="1547664" y="1268760"/>
+            <a:ext cx="5072895" cy="4800600"/>
           </a:xfrm>
           <a:prstGeom prst="rect">
             <a:avLst/>
@@ -7161,22 +7173,103 @@
         <a:font script="Geor" typeface="Sylfaen"/>
       </a:minorFont>
     </a:fontScheme>
-    <a:fmtScheme name="Adjacency">
+    <a:fmtScheme name="Apothecary">
       <a:fillStyleLst>
         <a:solidFill>
           <a:schemeClr val="phClr"/>
         </a:solidFill>
-        <a:solidFill>
-          <a:schemeClr val="phClr">
-            <a:tint val="55000"/>
-          </a:schemeClr>
-        </a:solidFill>
-        <a:solidFill>
-          <a:schemeClr val="phClr"/>
-        </a:solidFill>
+        <a:gradFill rotWithShape="1">
+          <a:gsLst>
+            <a:gs pos="0">
+              <a:schemeClr val="phClr">
+                <a:tint val="1000"/>
+                <a:satMod val="100000"/>
+              </a:schemeClr>
+            </a:gs>
+            <a:gs pos="68000">
+              <a:schemeClr val="phClr">
+                <a:tint val="77000"/>
+                <a:satMod val="100000"/>
+              </a:schemeClr>
+            </a:gs>
+            <a:gs pos="81000">
+              <a:schemeClr val="phClr">
+                <a:tint val="79000"/>
+                <a:satMod val="100000"/>
+              </a:schemeClr>
+            </a:gs>
+            <a:gs pos="86000">
+              <a:schemeClr val="phClr">
+                <a:tint val="73000"/>
+                <a:satMod val="100000"/>
+              </a:schemeClr>
+            </a:gs>
+            <a:gs pos="100000">
+              <a:schemeClr val="phClr">
+                <a:tint val="35000"/>
+                <a:satMod val="100000"/>
+              </a:schemeClr>
+            </a:gs>
+          </a:gsLst>
+          <a:lin ang="5400000" scaled="0"/>
+        </a:gradFill>
+        <a:gradFill rotWithShape="1">
+          <a:gsLst>
+            <a:gs pos="0">
+              <a:schemeClr val="phClr">
+                <a:tint val="73000"/>
+                <a:shade val="100000"/>
+                <a:satMod val="150000"/>
+              </a:schemeClr>
+            </a:gs>
+            <a:gs pos="25000">
+              <a:schemeClr val="phClr">
+                <a:tint val="96000"/>
+                <a:shade val="80000"/>
+                <a:satMod val="105000"/>
+              </a:schemeClr>
+            </a:gs>
+            <a:gs pos="38000">
+              <a:schemeClr val="phClr">
+                <a:tint val="96000"/>
+                <a:shade val="59000"/>
+                <a:satMod val="120000"/>
+              </a:schemeClr>
+            </a:gs>
+            <a:gs pos="55000">
+              <a:schemeClr val="phClr">
+                <a:tint val="100000"/>
+                <a:shade val="57000"/>
+                <a:satMod val="120000"/>
+              </a:schemeClr>
+            </a:gs>
+            <a:gs pos="80000">
+              <a:schemeClr val="phClr">
+                <a:tint val="100000"/>
+                <a:shade val="56000"/>
+                <a:satMod val="145000"/>
+              </a:schemeClr>
+            </a:gs>
+            <a:gs pos="88000">
+              <a:schemeClr val="phClr">
+                <a:tint val="100000"/>
+                <a:shade val="63000"/>
+                <a:satMod val="160000"/>
+              </a:schemeClr>
+            </a:gs>
+            <a:gs pos="100000">
+              <a:schemeClr val="phClr">
+                <a:tint val="99000"/>
+                <a:shade val="100000"/>
+                <a:satMod val="155000"/>
+              </a:schemeClr>
+            </a:gs>
+          </a:gsLst>
+          <a:lin ang="5400000" scaled="0"/>
+        </a:gradFill>
       </a:fillStyleLst>
       <a:lnStyleLst>
-        <a:ln w="12700" cap="flat" cmpd="sng" algn="ctr">
+        <a:ln w="9525" cap="flat" cmpd="sng" algn="ctr">
           <a:solidFill>
             <a:schemeClr val="phClr">
               <a:shade val="95000"/>
@@ -7203,29 +7296,49 @@
           <a:effectLst/>
         </a:effectStyle>
         <a:effectStyle>
-          <a:effectLst>
-            <a:outerShdw blurRad="50800" dist="25400" algn="bl" rotWithShape="0">
-              <a:srgbClr val="000000">
-                <a:alpha val="60000"/>
-              </a:srgbClr>
-            </a:outerShdw>
-          </a:effectLst>
-        </a:effectStyle>
-        <a:effectStyle>
           <a:effectLst/>
           <a:scene3d>
             <a:camera prst="orthographicFront">
               <a:rot lat="0" lon="0" rev="0"/>
             </a:camera>
-            <a:lightRig rig="brightRoom" dir="tl">
+            <a:lightRig rig="glow" dir="tl">
               <a:rot lat="0" lon="0" rev="1800000"/>
             </a:lightRig>
           </a:scene3d>
           <a:sp3d contourW="10160" prstMaterial="dkEdge">
-            <a:bevelT w="38100" h="50800" prst="angle"/>
+            <a:bevelT w="0" h="0" prst="angle"/>
             <a:contourClr>
               <a:schemeClr val="phClr">
-                <a:shade val="40000"/>
+                <a:shade val="30000"/>
+                <a:satMod val="150000"/>
+              </a:schemeClr>
+            </a:contourClr>
+          </a:sp3d>
+        </a:effectStyle>
+        <a:effectStyle>
+          <a:effectLst>
+            <a:glow rad="50800">
+              <a:schemeClr val="phClr">
+                <a:tint val="68000"/>
+                <a:shade val="93000"/>
+                <a:alpha val="37000"/>
+                <a:satMod val="250000"/>
+              </a:schemeClr>
+            </a:glow>
+          </a:effectLst>
+          <a:scene3d>
+            <a:camera prst="orthographicFront">
+              <a:rot lat="0" lon="0" rev="0"/>
+            </a:camera>
+            <a:lightRig rig="glow" dir="t">
+              <a:rot lat="0" lon="0" rev="1800000"/>
+            </a:lightRig>
+          </a:scene3d>
+          <a:sp3d contourW="10160" prstMaterial="dkEdge">
+            <a:bevelT w="20320" h="19050" prst="angle"/>
+            <a:contourClr>
+              <a:schemeClr val="phClr">
+                <a:shade val="30000"/>
                 <a:satMod val="150000"/>
               </a:schemeClr>
             </a:contourClr>
